--- a/files/designLayout_and_ColorPallete.pptx
+++ b/files/designLayout_and_ColorPallete.pptx
@@ -245,7 +245,7 @@
           <a:p>
             <a:fld id="{3748C6B8-2EEC-4295-82C3-80A504CA7F35}" type="datetimeFigureOut">
               <a:rPr lang="en-US" smtClean="0"/>
-              <a:t>25-Jul-25</a:t>
+              <a:t>26-Jul-25</a:t>
             </a:fld>
             <a:endParaRPr lang="en-US"/>
           </a:p>
@@ -415,7 +415,7 @@
           <a:p>
             <a:fld id="{3748C6B8-2EEC-4295-82C3-80A504CA7F35}" type="datetimeFigureOut">
               <a:rPr lang="en-US" smtClean="0"/>
-              <a:t>25-Jul-25</a:t>
+              <a:t>26-Jul-25</a:t>
             </a:fld>
             <a:endParaRPr lang="en-US"/>
           </a:p>
@@ -595,7 +595,7 @@
           <a:p>
             <a:fld id="{3748C6B8-2EEC-4295-82C3-80A504CA7F35}" type="datetimeFigureOut">
               <a:rPr lang="en-US" smtClean="0"/>
-              <a:t>25-Jul-25</a:t>
+              <a:t>26-Jul-25</a:t>
             </a:fld>
             <a:endParaRPr lang="en-US"/>
           </a:p>
@@ -765,7 +765,7 @@
           <a:p>
             <a:fld id="{3748C6B8-2EEC-4295-82C3-80A504CA7F35}" type="datetimeFigureOut">
               <a:rPr lang="en-US" smtClean="0"/>
-              <a:t>25-Jul-25</a:t>
+              <a:t>26-Jul-25</a:t>
             </a:fld>
             <a:endParaRPr lang="en-US"/>
           </a:p>
@@ -1011,7 +1011,7 @@
           <a:p>
             <a:fld id="{3748C6B8-2EEC-4295-82C3-80A504CA7F35}" type="datetimeFigureOut">
               <a:rPr lang="en-US" smtClean="0"/>
-              <a:t>25-Jul-25</a:t>
+              <a:t>26-Jul-25</a:t>
             </a:fld>
             <a:endParaRPr lang="en-US"/>
           </a:p>
@@ -1243,7 +1243,7 @@
           <a:p>
             <a:fld id="{3748C6B8-2EEC-4295-82C3-80A504CA7F35}" type="datetimeFigureOut">
               <a:rPr lang="en-US" smtClean="0"/>
-              <a:t>25-Jul-25</a:t>
+              <a:t>26-Jul-25</a:t>
             </a:fld>
             <a:endParaRPr lang="en-US"/>
           </a:p>
@@ -1610,7 +1610,7 @@
           <a:p>
             <a:fld id="{3748C6B8-2EEC-4295-82C3-80A504CA7F35}" type="datetimeFigureOut">
               <a:rPr lang="en-US" smtClean="0"/>
-              <a:t>25-Jul-25</a:t>
+              <a:t>26-Jul-25</a:t>
             </a:fld>
             <a:endParaRPr lang="en-US"/>
           </a:p>
@@ -1728,7 +1728,7 @@
           <a:p>
             <a:fld id="{3748C6B8-2EEC-4295-82C3-80A504CA7F35}" type="datetimeFigureOut">
               <a:rPr lang="en-US" smtClean="0"/>
-              <a:t>25-Jul-25</a:t>
+              <a:t>26-Jul-25</a:t>
             </a:fld>
             <a:endParaRPr lang="en-US"/>
           </a:p>
@@ -1823,7 +1823,7 @@
           <a:p>
             <a:fld id="{3748C6B8-2EEC-4295-82C3-80A504CA7F35}" type="datetimeFigureOut">
               <a:rPr lang="en-US" smtClean="0"/>
-              <a:t>25-Jul-25</a:t>
+              <a:t>26-Jul-25</a:t>
             </a:fld>
             <a:endParaRPr lang="en-US"/>
           </a:p>
@@ -2100,7 +2100,7 @@
           <a:p>
             <a:fld id="{3748C6B8-2EEC-4295-82C3-80A504CA7F35}" type="datetimeFigureOut">
               <a:rPr lang="en-US" smtClean="0"/>
-              <a:t>25-Jul-25</a:t>
+              <a:t>26-Jul-25</a:t>
             </a:fld>
             <a:endParaRPr lang="en-US"/>
           </a:p>
@@ -2353,7 +2353,7 @@
           <a:p>
             <a:fld id="{3748C6B8-2EEC-4295-82C3-80A504CA7F35}" type="datetimeFigureOut">
               <a:rPr lang="en-US" smtClean="0"/>
-              <a:t>25-Jul-25</a:t>
+              <a:t>26-Jul-25</a:t>
             </a:fld>
             <a:endParaRPr lang="en-US"/>
           </a:p>
@@ -2566,7 +2566,7 @@
           <a:p>
             <a:fld id="{3748C6B8-2EEC-4295-82C3-80A504CA7F35}" type="datetimeFigureOut">
               <a:rPr lang="en-US" smtClean="0"/>
-              <a:t>25-Jul-25</a:t>
+              <a:t>26-Jul-25</a:t>
             </a:fld>
             <a:endParaRPr lang="en-US"/>
           </a:p>
@@ -2987,8 +2987,8 @@
         </p:nvSpPr>
         <p:spPr>
           <a:xfrm>
-            <a:off x="128790" y="1043189"/>
-            <a:ext cx="3979572" cy="950262"/>
+            <a:off x="128790" y="940158"/>
+            <a:ext cx="3979572" cy="1053293"/>
           </a:xfrm>
           <a:prstGeom prst="round2SameRect">
             <a:avLst>
@@ -3033,8 +3033,8 @@
         </p:nvSpPr>
         <p:spPr>
           <a:xfrm flipV="1">
-            <a:off x="128790" y="2112328"/>
-            <a:ext cx="3979572" cy="2530009"/>
+            <a:off x="128790" y="2112327"/>
+            <a:ext cx="3979572" cy="2576869"/>
           </a:xfrm>
           <a:prstGeom prst="round2SameRect">
             <a:avLst>
@@ -3079,8 +3079,8 @@
         </p:nvSpPr>
         <p:spPr>
           <a:xfrm>
-            <a:off x="4250029" y="1043189"/>
-            <a:ext cx="7843495" cy="3599151"/>
+            <a:off x="4250029" y="940157"/>
+            <a:ext cx="7843495" cy="3749040"/>
           </a:xfrm>
           <a:prstGeom prst="roundRect">
             <a:avLst>
@@ -3170,7 +3170,7 @@
         </p:nvSpPr>
         <p:spPr>
           <a:xfrm rot="5400000" flipH="1">
-            <a:off x="1648498" y="-1545467"/>
+            <a:off x="1648498" y="-1596983"/>
             <a:ext cx="811370" cy="4108364"/>
           </a:xfrm>
           <a:prstGeom prst="round2SameRect">
@@ -3216,7 +3216,7 @@
         </p:nvSpPr>
         <p:spPr>
           <a:xfrm rot="16200000">
-            <a:off x="7815330" y="-3462272"/>
+            <a:off x="7815330" y="-3513788"/>
             <a:ext cx="811371" cy="7941972"/>
           </a:xfrm>
           <a:prstGeom prst="round2SameRect">

--- a/files/designLayout_and_ColorPallete.pptx
+++ b/files/designLayout_and_ColorPallete.pptx
@@ -7,7 +7,8 @@
   <p:sldIdLst>
     <p:sldId id="256" r:id="rId2"/>
     <p:sldId id="257" r:id="rId3"/>
-    <p:sldId id="258" r:id="rId4"/>
+    <p:sldId id="259" r:id="rId4"/>
+    <p:sldId id="258" r:id="rId5"/>
   </p:sldIdLst>
   <p:sldSz cx="12192000" cy="6858000"/>
   <p:notesSz cx="6858000" cy="9144000"/>
@@ -3444,6 +3445,136 @@
 <file path=ppt/slides/slide3.xml><?xml version="1.0" encoding="utf-8"?>
 <p:sld xmlns:a="http://schemas.openxmlformats.org/drawingml/2006/main" xmlns:r="http://schemas.openxmlformats.org/officeDocument/2006/relationships" xmlns:p="http://schemas.openxmlformats.org/presentationml/2006/main">
   <p:cSld>
+    <p:bg>
+      <p:bgPr>
+        <a:solidFill>
+          <a:srgbClr val="15253E"/>
+        </a:solidFill>
+        <a:effectLst/>
+      </p:bgPr>
+    </p:bg>
+    <p:spTree>
+      <p:nvGrpSpPr>
+        <p:cNvPr id="1" name=""/>
+        <p:cNvGrpSpPr/>
+        <p:nvPr/>
+      </p:nvGrpSpPr>
+      <p:grpSpPr>
+        <a:xfrm>
+          <a:off x="0" y="0"/>
+          <a:ext cx="0" cy="0"/>
+          <a:chOff x="0" y="0"/>
+          <a:chExt cx="0" cy="0"/>
+        </a:xfrm>
+      </p:grpSpPr>
+      <p:sp>
+        <p:nvSpPr>
+          <p:cNvPr id="4" name="Round Same Side Corner Rectangle 3"/>
+          <p:cNvSpPr/>
+          <p:nvPr/>
+        </p:nvSpPr>
+        <p:spPr>
+          <a:xfrm>
+            <a:off x="4009622" y="1236372"/>
+            <a:ext cx="4172755" cy="3512713"/>
+          </a:xfrm>
+          <a:prstGeom prst="round2SameRect">
+            <a:avLst>
+              <a:gd name="adj1" fmla="val 9804"/>
+              <a:gd name="adj2" fmla="val 0"/>
+            </a:avLst>
+          </a:prstGeom>
+          <a:solidFill>
+            <a:srgbClr val="0A1628"/>
+          </a:solidFill>
+        </p:spPr>
+        <p:style>
+          <a:lnRef idx="2">
+            <a:schemeClr val="accent1">
+              <a:shade val="50000"/>
+            </a:schemeClr>
+          </a:lnRef>
+          <a:fillRef idx="1">
+            <a:schemeClr val="accent1"/>
+          </a:fillRef>
+          <a:effectRef idx="0">
+            <a:schemeClr val="accent1"/>
+          </a:effectRef>
+          <a:fontRef idx="minor">
+            <a:schemeClr val="lt1"/>
+          </a:fontRef>
+        </p:style>
+        <p:txBody>
+          <a:bodyPr rtlCol="0" anchor="ctr"/>
+          <a:lstStyle/>
+          <a:p>
+            <a:pPr algn="ctr"/>
+            <a:endParaRPr lang="en-US"/>
+          </a:p>
+        </p:txBody>
+      </p:sp>
+      <p:sp>
+        <p:nvSpPr>
+          <p:cNvPr id="8" name="Round Same Side Corner Rectangle 7"/>
+          <p:cNvSpPr/>
+          <p:nvPr/>
+        </p:nvSpPr>
+        <p:spPr>
+          <a:xfrm flipV="1">
+            <a:off x="4009622" y="99909"/>
+            <a:ext cx="4172755" cy="824051"/>
+          </a:xfrm>
+          <a:prstGeom prst="round2SameRect">
+            <a:avLst>
+              <a:gd name="adj1" fmla="val 39491"/>
+              <a:gd name="adj2" fmla="val 0"/>
+            </a:avLst>
+          </a:prstGeom>
+          <a:solidFill>
+            <a:srgbClr val="0A1628"/>
+          </a:solidFill>
+        </p:spPr>
+        <p:style>
+          <a:lnRef idx="2">
+            <a:schemeClr val="accent1">
+              <a:shade val="50000"/>
+            </a:schemeClr>
+          </a:lnRef>
+          <a:fillRef idx="1">
+            <a:schemeClr val="accent1"/>
+          </a:fillRef>
+          <a:effectRef idx="0">
+            <a:schemeClr val="accent1"/>
+          </a:effectRef>
+          <a:fontRef idx="minor">
+            <a:schemeClr val="lt1"/>
+          </a:fontRef>
+        </p:style>
+        <p:txBody>
+          <a:bodyPr rtlCol="0" anchor="ctr"/>
+          <a:lstStyle/>
+          <a:p>
+            <a:pPr algn="ctr"/>
+            <a:endParaRPr lang="en-US"/>
+          </a:p>
+        </p:txBody>
+      </p:sp>
+    </p:spTree>
+    <p:extLst>
+      <p:ext uri="{BB962C8B-B14F-4D97-AF65-F5344CB8AC3E}">
+        <p14:creationId xmlns:p14="http://schemas.microsoft.com/office/powerpoint/2010/main" val="849515967"/>
+      </p:ext>
+    </p:extLst>
+  </p:cSld>
+  <p:clrMapOvr>
+    <a:masterClrMapping/>
+  </p:clrMapOvr>
+</p:sld>
+</file>
+
+<file path=ppt/slides/slide4.xml><?xml version="1.0" encoding="utf-8"?>
+<p:sld xmlns:a="http://schemas.openxmlformats.org/drawingml/2006/main" xmlns:r="http://schemas.openxmlformats.org/officeDocument/2006/relationships" xmlns:p="http://schemas.openxmlformats.org/presentationml/2006/main">
+  <p:cSld>
     <p:spTree>
       <p:nvGrpSpPr>
         <p:cNvPr id="1" name=""/>

--- a/files/designLayout_and_ColorPallete.pptx
+++ b/files/designLayout_and_ColorPallete.pptx
@@ -246,7 +246,7 @@
           <a:p>
             <a:fld id="{3748C6B8-2EEC-4295-82C3-80A504CA7F35}" type="datetimeFigureOut">
               <a:rPr lang="en-US" smtClean="0"/>
-              <a:t>26-Jul-25</a:t>
+              <a:t>01-Aug-25</a:t>
             </a:fld>
             <a:endParaRPr lang="en-US"/>
           </a:p>
@@ -416,7 +416,7 @@
           <a:p>
             <a:fld id="{3748C6B8-2EEC-4295-82C3-80A504CA7F35}" type="datetimeFigureOut">
               <a:rPr lang="en-US" smtClean="0"/>
-              <a:t>26-Jul-25</a:t>
+              <a:t>01-Aug-25</a:t>
             </a:fld>
             <a:endParaRPr lang="en-US"/>
           </a:p>
@@ -596,7 +596,7 @@
           <a:p>
             <a:fld id="{3748C6B8-2EEC-4295-82C3-80A504CA7F35}" type="datetimeFigureOut">
               <a:rPr lang="en-US" smtClean="0"/>
-              <a:t>26-Jul-25</a:t>
+              <a:t>01-Aug-25</a:t>
             </a:fld>
             <a:endParaRPr lang="en-US"/>
           </a:p>
@@ -766,7 +766,7 @@
           <a:p>
             <a:fld id="{3748C6B8-2EEC-4295-82C3-80A504CA7F35}" type="datetimeFigureOut">
               <a:rPr lang="en-US" smtClean="0"/>
-              <a:t>26-Jul-25</a:t>
+              <a:t>01-Aug-25</a:t>
             </a:fld>
             <a:endParaRPr lang="en-US"/>
           </a:p>
@@ -1012,7 +1012,7 @@
           <a:p>
             <a:fld id="{3748C6B8-2EEC-4295-82C3-80A504CA7F35}" type="datetimeFigureOut">
               <a:rPr lang="en-US" smtClean="0"/>
-              <a:t>26-Jul-25</a:t>
+              <a:t>01-Aug-25</a:t>
             </a:fld>
             <a:endParaRPr lang="en-US"/>
           </a:p>
@@ -1244,7 +1244,7 @@
           <a:p>
             <a:fld id="{3748C6B8-2EEC-4295-82C3-80A504CA7F35}" type="datetimeFigureOut">
               <a:rPr lang="en-US" smtClean="0"/>
-              <a:t>26-Jul-25</a:t>
+              <a:t>01-Aug-25</a:t>
             </a:fld>
             <a:endParaRPr lang="en-US"/>
           </a:p>
@@ -1611,7 +1611,7 @@
           <a:p>
             <a:fld id="{3748C6B8-2EEC-4295-82C3-80A504CA7F35}" type="datetimeFigureOut">
               <a:rPr lang="en-US" smtClean="0"/>
-              <a:t>26-Jul-25</a:t>
+              <a:t>01-Aug-25</a:t>
             </a:fld>
             <a:endParaRPr lang="en-US"/>
           </a:p>
@@ -1729,7 +1729,7 @@
           <a:p>
             <a:fld id="{3748C6B8-2EEC-4295-82C3-80A504CA7F35}" type="datetimeFigureOut">
               <a:rPr lang="en-US" smtClean="0"/>
-              <a:t>26-Jul-25</a:t>
+              <a:t>01-Aug-25</a:t>
             </a:fld>
             <a:endParaRPr lang="en-US"/>
           </a:p>
@@ -1824,7 +1824,7 @@
           <a:p>
             <a:fld id="{3748C6B8-2EEC-4295-82C3-80A504CA7F35}" type="datetimeFigureOut">
               <a:rPr lang="en-US" smtClean="0"/>
-              <a:t>26-Jul-25</a:t>
+              <a:t>01-Aug-25</a:t>
             </a:fld>
             <a:endParaRPr lang="en-US"/>
           </a:p>
@@ -2101,7 +2101,7 @@
           <a:p>
             <a:fld id="{3748C6B8-2EEC-4295-82C3-80A504CA7F35}" type="datetimeFigureOut">
               <a:rPr lang="en-US" smtClean="0"/>
-              <a:t>26-Jul-25</a:t>
+              <a:t>01-Aug-25</a:t>
             </a:fld>
             <a:endParaRPr lang="en-US"/>
           </a:p>
@@ -2354,7 +2354,7 @@
           <a:p>
             <a:fld id="{3748C6B8-2EEC-4295-82C3-80A504CA7F35}" type="datetimeFigureOut">
               <a:rPr lang="en-US" smtClean="0"/>
-              <a:t>26-Jul-25</a:t>
+              <a:t>01-Aug-25</a:t>
             </a:fld>
             <a:endParaRPr lang="en-US"/>
           </a:p>
@@ -2567,7 +2567,7 @@
           <a:p>
             <a:fld id="{3748C6B8-2EEC-4295-82C3-80A504CA7F35}" type="datetimeFigureOut">
               <a:rPr lang="en-US" smtClean="0"/>
-              <a:t>26-Jul-25</a:t>
+              <a:t>01-Aug-25</a:t>
             </a:fld>
             <a:endParaRPr lang="en-US"/>
           </a:p>
@@ -3642,7 +3642,7 @@
         </p:nvSpPr>
         <p:spPr>
           <a:xfrm>
-            <a:off x="422031" y="1702191"/>
+            <a:off x="1465219" y="1792343"/>
             <a:ext cx="3812344" cy="717452"/>
           </a:xfrm>
           <a:prstGeom prst="rect">
@@ -3689,7 +3689,7 @@
         </p:nvSpPr>
         <p:spPr>
           <a:xfrm>
-            <a:off x="422031" y="2602523"/>
+            <a:off x="1465219" y="2692675"/>
             <a:ext cx="3812344" cy="717452"/>
           </a:xfrm>
           <a:prstGeom prst="rect">
@@ -3723,6 +3723,459 @@
             <a:r>
               <a:rPr lang="en-US" dirty="0" smtClean="0"/>
               <a:t>Charts Background</a:t>
+            </a:r>
+            <a:endParaRPr lang="en-US" dirty="0"/>
+          </a:p>
+        </p:txBody>
+      </p:sp>
+      <p:sp>
+        <p:nvSpPr>
+          <p:cNvPr id="8" name="Rectangle 7"/>
+          <p:cNvSpPr/>
+          <p:nvPr/>
+        </p:nvSpPr>
+        <p:spPr>
+          <a:xfrm>
+            <a:off x="7196317" y="1792343"/>
+            <a:ext cx="3812344" cy="717452"/>
+          </a:xfrm>
+          <a:prstGeom prst="rect">
+            <a:avLst/>
+          </a:prstGeom>
+          <a:solidFill>
+            <a:srgbClr val="1D3D70"/>
+          </a:solidFill>
+        </p:spPr>
+        <p:style>
+          <a:lnRef idx="2">
+            <a:schemeClr val="accent1">
+              <a:shade val="50000"/>
+            </a:schemeClr>
+          </a:lnRef>
+          <a:fillRef idx="1">
+            <a:schemeClr val="accent1"/>
+          </a:fillRef>
+          <a:effectRef idx="0">
+            <a:schemeClr val="accent1"/>
+          </a:effectRef>
+          <a:fontRef idx="minor">
+            <a:schemeClr val="lt1"/>
+          </a:fontRef>
+        </p:style>
+        <p:txBody>
+          <a:bodyPr rtlCol="0" anchor="ctr"/>
+          <a:lstStyle/>
+          <a:p>
+            <a:pPr algn="ctr"/>
+            <a:r>
+              <a:rPr lang="en-US" dirty="0" smtClean="0"/>
+              <a:t>Sliders</a:t>
+            </a:r>
+            <a:endParaRPr lang="en-US" dirty="0"/>
+          </a:p>
+        </p:txBody>
+      </p:sp>
+      <p:sp>
+        <p:nvSpPr>
+          <p:cNvPr id="9" name="Rectangle 8"/>
+          <p:cNvSpPr/>
+          <p:nvPr/>
+        </p:nvSpPr>
+        <p:spPr>
+          <a:xfrm>
+            <a:off x="7196317" y="2692675"/>
+            <a:ext cx="3812344" cy="717452"/>
+          </a:xfrm>
+          <a:prstGeom prst="rect">
+            <a:avLst/>
+          </a:prstGeom>
+          <a:solidFill>
+            <a:srgbClr val="054380"/>
+          </a:solidFill>
+        </p:spPr>
+        <p:style>
+          <a:lnRef idx="2">
+            <a:schemeClr val="accent1">
+              <a:shade val="50000"/>
+            </a:schemeClr>
+          </a:lnRef>
+          <a:fillRef idx="1">
+            <a:schemeClr val="accent1"/>
+          </a:fillRef>
+          <a:effectRef idx="0">
+            <a:schemeClr val="accent1"/>
+          </a:effectRef>
+          <a:fontRef idx="minor">
+            <a:schemeClr val="lt1"/>
+          </a:fontRef>
+        </p:style>
+        <p:txBody>
+          <a:bodyPr rtlCol="0" anchor="ctr"/>
+          <a:lstStyle/>
+          <a:p>
+            <a:pPr algn="ctr"/>
+            <a:r>
+              <a:rPr lang="en-US" dirty="0"/>
+              <a:t> </a:t>
+            </a:r>
+            <a:r>
+              <a:rPr lang="en-US" dirty="0" smtClean="0"/>
+              <a:t>Bottom Stack / Pie</a:t>
+            </a:r>
+            <a:endParaRPr lang="en-US" dirty="0"/>
+          </a:p>
+        </p:txBody>
+      </p:sp>
+      <p:sp>
+        <p:nvSpPr>
+          <p:cNvPr id="10" name="Rectangle 9"/>
+          <p:cNvSpPr/>
+          <p:nvPr/>
+        </p:nvSpPr>
+        <p:spPr>
+          <a:xfrm>
+            <a:off x="7196317" y="3593007"/>
+            <a:ext cx="3812344" cy="717452"/>
+          </a:xfrm>
+          <a:prstGeom prst="rect">
+            <a:avLst/>
+          </a:prstGeom>
+          <a:solidFill>
+            <a:srgbClr val="317ABE"/>
+          </a:solidFill>
+        </p:spPr>
+        <p:style>
+          <a:lnRef idx="2">
+            <a:schemeClr val="accent1">
+              <a:shade val="50000"/>
+            </a:schemeClr>
+          </a:lnRef>
+          <a:fillRef idx="1">
+            <a:schemeClr val="accent1"/>
+          </a:fillRef>
+          <a:effectRef idx="0">
+            <a:schemeClr val="accent1"/>
+          </a:effectRef>
+          <a:fontRef idx="minor">
+            <a:schemeClr val="lt1"/>
+          </a:fontRef>
+        </p:style>
+        <p:txBody>
+          <a:bodyPr rtlCol="0" anchor="ctr"/>
+          <a:lstStyle/>
+          <a:p>
+            <a:pPr algn="ctr"/>
+            <a:r>
+              <a:rPr lang="en-US" dirty="0"/>
+              <a:t> </a:t>
+            </a:r>
+            <a:r>
+              <a:rPr lang="en-US" dirty="0" smtClean="0"/>
+              <a:t>Middle Stack / Pie</a:t>
+            </a:r>
+            <a:endParaRPr lang="en-US" dirty="0"/>
+          </a:p>
+        </p:txBody>
+      </p:sp>
+      <p:sp>
+        <p:nvSpPr>
+          <p:cNvPr id="11" name="Rectangle 10"/>
+          <p:cNvSpPr/>
+          <p:nvPr/>
+        </p:nvSpPr>
+        <p:spPr>
+          <a:xfrm>
+            <a:off x="7196317" y="4493339"/>
+            <a:ext cx="3812344" cy="717452"/>
+          </a:xfrm>
+          <a:prstGeom prst="rect">
+            <a:avLst/>
+          </a:prstGeom>
+          <a:solidFill>
+            <a:srgbClr val="6FB3F2"/>
+          </a:solidFill>
+          <a:ln>
+            <a:noFill/>
+          </a:ln>
+        </p:spPr>
+        <p:style>
+          <a:lnRef idx="2">
+            <a:schemeClr val="accent1">
+              <a:shade val="50000"/>
+            </a:schemeClr>
+          </a:lnRef>
+          <a:fillRef idx="1">
+            <a:schemeClr val="accent1"/>
+          </a:fillRef>
+          <a:effectRef idx="0">
+            <a:schemeClr val="accent1"/>
+          </a:effectRef>
+          <a:fontRef idx="minor">
+            <a:schemeClr val="lt1"/>
+          </a:fontRef>
+        </p:style>
+        <p:txBody>
+          <a:bodyPr rtlCol="0" anchor="ctr"/>
+          <a:lstStyle/>
+          <a:p>
+            <a:pPr algn="ctr"/>
+            <a:r>
+              <a:rPr lang="en-US" dirty="0"/>
+              <a:t> </a:t>
+            </a:r>
+            <a:r>
+              <a:rPr lang="en-US" dirty="0" smtClean="0"/>
+              <a:t>Top Stack / Pie</a:t>
+            </a:r>
+            <a:endParaRPr lang="en-US" dirty="0"/>
+          </a:p>
+        </p:txBody>
+      </p:sp>
+      <p:sp>
+        <p:nvSpPr>
+          <p:cNvPr id="12" name="Rectangle 11"/>
+          <p:cNvSpPr/>
+          <p:nvPr/>
+        </p:nvSpPr>
+        <p:spPr>
+          <a:xfrm>
+            <a:off x="7196317" y="5393671"/>
+            <a:ext cx="1215998" cy="717452"/>
+          </a:xfrm>
+          <a:prstGeom prst="rect">
+            <a:avLst/>
+          </a:prstGeom>
+          <a:solidFill>
+            <a:srgbClr val="E96D1A"/>
+          </a:solidFill>
+          <a:ln>
+            <a:noFill/>
+          </a:ln>
+        </p:spPr>
+        <p:style>
+          <a:lnRef idx="2">
+            <a:schemeClr val="accent1">
+              <a:shade val="50000"/>
+            </a:schemeClr>
+          </a:lnRef>
+          <a:fillRef idx="1">
+            <a:schemeClr val="accent1"/>
+          </a:fillRef>
+          <a:effectRef idx="0">
+            <a:schemeClr val="accent1"/>
+          </a:effectRef>
+          <a:fontRef idx="minor">
+            <a:schemeClr val="lt1"/>
+          </a:fontRef>
+        </p:style>
+        <p:txBody>
+          <a:bodyPr rtlCol="0" anchor="ctr"/>
+          <a:lstStyle/>
+          <a:p>
+            <a:pPr algn="ctr"/>
+            <a:r>
+              <a:rPr lang="en-US" dirty="0" smtClean="0"/>
+              <a:t>Day Case Line</a:t>
+            </a:r>
+            <a:endParaRPr lang="en-US" dirty="0"/>
+          </a:p>
+        </p:txBody>
+      </p:sp>
+      <p:sp>
+        <p:nvSpPr>
+          <p:cNvPr id="13" name="Rectangle 12"/>
+          <p:cNvSpPr/>
+          <p:nvPr/>
+        </p:nvSpPr>
+        <p:spPr>
+          <a:xfrm>
+            <a:off x="8494490" y="5393671"/>
+            <a:ext cx="1215998" cy="717452"/>
+          </a:xfrm>
+          <a:prstGeom prst="rect">
+            <a:avLst/>
+          </a:prstGeom>
+          <a:solidFill>
+            <a:srgbClr val="D94451"/>
+          </a:solidFill>
+          <a:ln>
+            <a:noFill/>
+          </a:ln>
+        </p:spPr>
+        <p:style>
+          <a:lnRef idx="2">
+            <a:schemeClr val="accent1">
+              <a:shade val="50000"/>
+            </a:schemeClr>
+          </a:lnRef>
+          <a:fillRef idx="1">
+            <a:schemeClr val="accent1"/>
+          </a:fillRef>
+          <a:effectRef idx="0">
+            <a:schemeClr val="accent1"/>
+          </a:effectRef>
+          <a:fontRef idx="minor">
+            <a:schemeClr val="lt1"/>
+          </a:fontRef>
+        </p:style>
+        <p:txBody>
+          <a:bodyPr rtlCol="0" anchor="ctr"/>
+          <a:lstStyle/>
+          <a:p>
+            <a:pPr algn="ctr"/>
+            <a:r>
+              <a:rPr lang="en-US" dirty="0" smtClean="0"/>
+              <a:t>Inpatient Line</a:t>
+            </a:r>
+            <a:endParaRPr lang="en-US" dirty="0"/>
+          </a:p>
+        </p:txBody>
+      </p:sp>
+      <p:sp>
+        <p:nvSpPr>
+          <p:cNvPr id="14" name="Rectangle 13"/>
+          <p:cNvSpPr/>
+          <p:nvPr/>
+        </p:nvSpPr>
+        <p:spPr>
+          <a:xfrm>
+            <a:off x="9792663" y="5393671"/>
+            <a:ext cx="1215998" cy="717452"/>
+          </a:xfrm>
+          <a:prstGeom prst="rect">
+            <a:avLst/>
+          </a:prstGeom>
+          <a:solidFill>
+            <a:srgbClr val="078CFF"/>
+          </a:solidFill>
+          <a:ln>
+            <a:noFill/>
+          </a:ln>
+        </p:spPr>
+        <p:style>
+          <a:lnRef idx="2">
+            <a:schemeClr val="accent1">
+              <a:shade val="50000"/>
+            </a:schemeClr>
+          </a:lnRef>
+          <a:fillRef idx="1">
+            <a:schemeClr val="accent1"/>
+          </a:fillRef>
+          <a:effectRef idx="0">
+            <a:schemeClr val="accent1"/>
+          </a:effectRef>
+          <a:fontRef idx="minor">
+            <a:schemeClr val="lt1"/>
+          </a:fontRef>
+        </p:style>
+        <p:txBody>
+          <a:bodyPr rtlCol="0" anchor="ctr"/>
+          <a:lstStyle/>
+          <a:p>
+            <a:pPr algn="ctr"/>
+            <a:r>
+              <a:rPr lang="en-US" dirty="0" smtClean="0"/>
+              <a:t>Outpatient Line</a:t>
+            </a:r>
+            <a:endParaRPr lang="en-US" dirty="0"/>
+          </a:p>
+        </p:txBody>
+      </p:sp>
+      <p:sp>
+        <p:nvSpPr>
+          <p:cNvPr id="15" name="Rectangle 14"/>
+          <p:cNvSpPr/>
+          <p:nvPr/>
+        </p:nvSpPr>
+        <p:spPr>
+          <a:xfrm>
+            <a:off x="1465219" y="3593007"/>
+            <a:ext cx="3812344" cy="717452"/>
+          </a:xfrm>
+          <a:prstGeom prst="rect">
+            <a:avLst/>
+          </a:prstGeom>
+          <a:solidFill>
+            <a:srgbClr val="8DC0EC"/>
+          </a:solidFill>
+          <a:ln>
+            <a:noFill/>
+          </a:ln>
+        </p:spPr>
+        <p:style>
+          <a:lnRef idx="2">
+            <a:schemeClr val="accent1">
+              <a:shade val="50000"/>
+            </a:schemeClr>
+          </a:lnRef>
+          <a:fillRef idx="1">
+            <a:schemeClr val="accent1"/>
+          </a:fillRef>
+          <a:effectRef idx="0">
+            <a:schemeClr val="accent1"/>
+          </a:effectRef>
+          <a:fontRef idx="minor">
+            <a:schemeClr val="lt1"/>
+          </a:fontRef>
+        </p:style>
+        <p:txBody>
+          <a:bodyPr rtlCol="0" anchor="ctr"/>
+          <a:lstStyle/>
+          <a:p>
+            <a:pPr algn="ctr"/>
+            <a:r>
+              <a:rPr lang="en-US" dirty="0" smtClean="0"/>
+              <a:t>Card Headline</a:t>
+            </a:r>
+            <a:endParaRPr lang="en-US" dirty="0"/>
+          </a:p>
+        </p:txBody>
+      </p:sp>
+      <p:sp>
+        <p:nvSpPr>
+          <p:cNvPr id="16" name="Rectangle 15"/>
+          <p:cNvSpPr/>
+          <p:nvPr/>
+        </p:nvSpPr>
+        <p:spPr>
+          <a:xfrm>
+            <a:off x="1465219" y="4493339"/>
+            <a:ext cx="3812344" cy="717452"/>
+          </a:xfrm>
+          <a:prstGeom prst="rect">
+            <a:avLst/>
+          </a:prstGeom>
+          <a:solidFill>
+            <a:srgbClr val="3A57B4"/>
+          </a:solidFill>
+          <a:ln>
+            <a:noFill/>
+          </a:ln>
+        </p:spPr>
+        <p:style>
+          <a:lnRef idx="2">
+            <a:schemeClr val="accent1">
+              <a:shade val="50000"/>
+            </a:schemeClr>
+          </a:lnRef>
+          <a:fillRef idx="1">
+            <a:schemeClr val="accent1"/>
+          </a:fillRef>
+          <a:effectRef idx="0">
+            <a:schemeClr val="accent1"/>
+          </a:effectRef>
+          <a:fontRef idx="minor">
+            <a:schemeClr val="lt1"/>
+          </a:fontRef>
+        </p:style>
+        <p:txBody>
+          <a:bodyPr rtlCol="0" anchor="ctr"/>
+          <a:lstStyle/>
+          <a:p>
+            <a:pPr algn="ctr"/>
+            <a:r>
+              <a:rPr lang="en-US" dirty="0" smtClean="0"/>
+              <a:t>Box Outline</a:t>
             </a:r>
             <a:endParaRPr lang="en-US" dirty="0"/>
           </a:p>
